--- a/ppts/[Session3] Text Exploration & Visualization.pptx
+++ b/ppts/[Session3] Text Exploration & Visualization.pptx
@@ -146,7 +146,7 @@
   </p:defaultTextStyle>
   <p:extLst>
     <p:ext uri="{EFAFB233-063F-42B5-8137-9DF3F51BA10A}">
-      <p15:sldGuideLst xmlns:p15="http://schemas.microsoft.com/office/powerpoint/2012/main" xmlns="">
+      <p15:sldGuideLst xmlns:p15="http://schemas.microsoft.com/office/powerpoint/2012/main">
         <p15:guide id="1" orient="horz" pos="2160">
           <p15:clr>
             <a:srgbClr val="A4A3A4"/>
@@ -245,7 +245,7 @@
           <a:p>
             <a:fld id="{7A6B77AA-7177-4D50-AB49-C260886B6169}" type="datetimeFigureOut">
               <a:rPr lang="ko-KR" altLang="en-US" smtClean="0"/>
-              <a:t>2017-07-16</a:t>
+              <a:t>2017-09-25</a:t>
             </a:fld>
             <a:endParaRPr lang="ko-KR" altLang="en-US"/>
           </a:p>
@@ -694,7 +694,7 @@
           <a:p>
             <a:fld id="{1179C0B5-9E42-4E82-BD73-9C37117B84AF}" type="datetimeFigureOut">
               <a:rPr lang="ko-KR" altLang="en-US" smtClean="0"/>
-              <a:t>2017-07-16</a:t>
+              <a:t>2017-09-25</a:t>
             </a:fld>
             <a:endParaRPr lang="ko-KR" altLang="en-US"/>
           </a:p>
@@ -864,7 +864,7 @@
           <a:p>
             <a:fld id="{1179C0B5-9E42-4E82-BD73-9C37117B84AF}" type="datetimeFigureOut">
               <a:rPr lang="ko-KR" altLang="en-US" smtClean="0"/>
-              <a:t>2017-07-16</a:t>
+              <a:t>2017-09-25</a:t>
             </a:fld>
             <a:endParaRPr lang="ko-KR" altLang="en-US"/>
           </a:p>
@@ -1044,7 +1044,7 @@
           <a:p>
             <a:fld id="{1179C0B5-9E42-4E82-BD73-9C37117B84AF}" type="datetimeFigureOut">
               <a:rPr lang="ko-KR" altLang="en-US" smtClean="0"/>
-              <a:t>2017-07-16</a:t>
+              <a:t>2017-09-25</a:t>
             </a:fld>
             <a:endParaRPr lang="ko-KR" altLang="en-US"/>
           </a:p>
@@ -1214,7 +1214,7 @@
           <a:p>
             <a:fld id="{1179C0B5-9E42-4E82-BD73-9C37117B84AF}" type="datetimeFigureOut">
               <a:rPr lang="ko-KR" altLang="en-US" smtClean="0"/>
-              <a:t>2017-07-16</a:t>
+              <a:t>2017-09-25</a:t>
             </a:fld>
             <a:endParaRPr lang="ko-KR" altLang="en-US"/>
           </a:p>
@@ -1460,7 +1460,7 @@
           <a:p>
             <a:fld id="{1179C0B5-9E42-4E82-BD73-9C37117B84AF}" type="datetimeFigureOut">
               <a:rPr lang="ko-KR" altLang="en-US" smtClean="0"/>
-              <a:t>2017-07-16</a:t>
+              <a:t>2017-09-25</a:t>
             </a:fld>
             <a:endParaRPr lang="ko-KR" altLang="en-US"/>
           </a:p>
@@ -1748,7 +1748,7 @@
           <a:p>
             <a:fld id="{1179C0B5-9E42-4E82-BD73-9C37117B84AF}" type="datetimeFigureOut">
               <a:rPr lang="ko-KR" altLang="en-US" smtClean="0"/>
-              <a:t>2017-07-16</a:t>
+              <a:t>2017-09-25</a:t>
             </a:fld>
             <a:endParaRPr lang="ko-KR" altLang="en-US"/>
           </a:p>
@@ -2170,7 +2170,7 @@
           <a:p>
             <a:fld id="{1179C0B5-9E42-4E82-BD73-9C37117B84AF}" type="datetimeFigureOut">
               <a:rPr lang="ko-KR" altLang="en-US" smtClean="0"/>
-              <a:t>2017-07-16</a:t>
+              <a:t>2017-09-25</a:t>
             </a:fld>
             <a:endParaRPr lang="ko-KR" altLang="en-US"/>
           </a:p>
@@ -2288,7 +2288,7 @@
           <a:p>
             <a:fld id="{1179C0B5-9E42-4E82-BD73-9C37117B84AF}" type="datetimeFigureOut">
               <a:rPr lang="ko-KR" altLang="en-US" smtClean="0"/>
-              <a:t>2017-07-16</a:t>
+              <a:t>2017-09-25</a:t>
             </a:fld>
             <a:endParaRPr lang="ko-KR" altLang="en-US"/>
           </a:p>
@@ -2383,7 +2383,7 @@
           <a:p>
             <a:fld id="{1179C0B5-9E42-4E82-BD73-9C37117B84AF}" type="datetimeFigureOut">
               <a:rPr lang="ko-KR" altLang="en-US" smtClean="0"/>
-              <a:t>2017-07-16</a:t>
+              <a:t>2017-09-25</a:t>
             </a:fld>
             <a:endParaRPr lang="ko-KR" altLang="en-US"/>
           </a:p>
@@ -2660,7 +2660,7 @@
           <a:p>
             <a:fld id="{1179C0B5-9E42-4E82-BD73-9C37117B84AF}" type="datetimeFigureOut">
               <a:rPr lang="ko-KR" altLang="en-US" smtClean="0"/>
-              <a:t>2017-07-16</a:t>
+              <a:t>2017-09-25</a:t>
             </a:fld>
             <a:endParaRPr lang="ko-KR" altLang="en-US"/>
           </a:p>
@@ -2913,7 +2913,7 @@
           <a:p>
             <a:fld id="{1179C0B5-9E42-4E82-BD73-9C37117B84AF}" type="datetimeFigureOut">
               <a:rPr lang="ko-KR" altLang="en-US" smtClean="0"/>
-              <a:t>2017-07-16</a:t>
+              <a:t>2017-09-25</a:t>
             </a:fld>
             <a:endParaRPr lang="ko-KR" altLang="en-US"/>
           </a:p>
@@ -3126,7 +3126,7 @@
           <a:p>
             <a:fld id="{1179C0B5-9E42-4E82-BD73-9C37117B84AF}" type="datetimeFigureOut">
               <a:rPr lang="ko-KR" altLang="en-US" smtClean="0"/>
-              <a:t>2017-07-16</a:t>
+              <a:t>2017-09-25</a:t>
             </a:fld>
             <a:endParaRPr lang="ko-KR" altLang="en-US"/>
           </a:p>
@@ -3875,76 +3875,6 @@
           </a:p>
         </p:txBody>
       </p:sp>
-      <p:sp>
-        <p:nvSpPr>
-          <p:cNvPr id="8" name="TextBox 7"/>
-          <p:cNvSpPr txBox="1"/>
-          <p:nvPr/>
-        </p:nvSpPr>
-        <p:spPr>
-          <a:xfrm>
-            <a:off x="854185" y="3510300"/>
-            <a:ext cx="1402948" cy="369332"/>
-          </a:xfrm>
-          <a:prstGeom prst="rect">
-            <a:avLst/>
-          </a:prstGeom>
-          <a:noFill/>
-        </p:spPr>
-        <p:txBody>
-          <a:bodyPr wrap="none" rtlCol="0">
-            <a:spAutoFit/>
-          </a:bodyPr>
-          <a:lstStyle/>
-          <a:p>
-            <a:r>
-              <a:rPr lang="ko-KR" altLang="en-US" dirty="0" smtClean="0">
-                <a:gradFill>
-                  <a:gsLst>
-                    <a:gs pos="0">
-                      <a:schemeClr val="tx1">
-                        <a:lumMod val="65000"/>
-                        <a:lumOff val="35000"/>
-                      </a:schemeClr>
-                    </a:gs>
-                    <a:gs pos="100000">
-                      <a:schemeClr val="tx1">
-                        <a:lumMod val="65000"/>
-                        <a:lumOff val="35000"/>
-                      </a:schemeClr>
-                    </a:gs>
-                  </a:gsLst>
-                  <a:lin ang="5400000" scaled="0"/>
-                </a:gradFill>
-                <a:latin typeface="Arial" pitchFamily="34" charset="0"/>
-                <a:cs typeface="Arial" pitchFamily="34" charset="0"/>
-              </a:rPr>
-              <a:t>박진수 교수</a:t>
-            </a:r>
-            <a:endParaRPr lang="ko-KR" altLang="en-US" dirty="0">
-              <a:gradFill>
-                <a:gsLst>
-                  <a:gs pos="0">
-                    <a:schemeClr val="tx1">
-                      <a:lumMod val="65000"/>
-                      <a:lumOff val="35000"/>
-                    </a:schemeClr>
-                  </a:gs>
-                  <a:gs pos="100000">
-                    <a:schemeClr val="tx1">
-                      <a:lumMod val="65000"/>
-                      <a:lumOff val="35000"/>
-                    </a:schemeClr>
-                  </a:gs>
-                </a:gsLst>
-                <a:lin ang="5400000" scaled="0"/>
-              </a:gradFill>
-              <a:latin typeface="Arial" pitchFamily="34" charset="0"/>
-              <a:cs typeface="Arial" pitchFamily="34" charset="0"/>
-            </a:endParaRPr>
-          </a:p>
-        </p:txBody>
-      </p:sp>
     </p:spTree>
     <p:extLst>
       <p:ext uri="{BB962C8B-B14F-4D97-AF65-F5344CB8AC3E}">
@@ -17858,25 +17788,7 @@
                 <a:latin typeface="Arial" pitchFamily="34" charset="0"/>
                 <a:cs typeface="Arial" pitchFamily="34" charset="0"/>
               </a:rPr>
-              <a:t>3-1-1</a:t>
-            </a:r>
-            <a:r>
-              <a:rPr lang="en-US" altLang="ko-KR" sz="2400" b="1" dirty="0" smtClean="0">
-                <a:gradFill>
-                  <a:gsLst>
-                    <a:gs pos="0">
-                      <a:srgbClr val="339966"/>
-                    </a:gs>
-                    <a:gs pos="100000">
-                      <a:srgbClr val="339966"/>
-                    </a:gs>
-                  </a:gsLst>
-                  <a:lin ang="5400000" scaled="0"/>
-                </a:gradFill>
-                <a:latin typeface="Arial" pitchFamily="34" charset="0"/>
-                <a:cs typeface="Arial" pitchFamily="34" charset="0"/>
-              </a:rPr>
-              <a:t>. </a:t>
+              <a:t>3-1-1. </a:t>
             </a:r>
             <a:r>
               <a:rPr lang="ko-KR" altLang="en-US" sz="2400" b="1" dirty="0" smtClean="0">
@@ -19171,43 +19083,7 @@
                 <a:latin typeface="Arial" pitchFamily="34" charset="0"/>
                 <a:cs typeface="Arial" pitchFamily="34" charset="0"/>
               </a:rPr>
-              <a:t>3-</a:t>
-            </a:r>
-            <a:r>
-              <a:rPr lang="en-US" altLang="ko-KR" sz="2400" b="1" dirty="0" smtClean="0">
-                <a:gradFill>
-                  <a:gsLst>
-                    <a:gs pos="0">
-                      <a:srgbClr val="339966"/>
-                    </a:gs>
-                    <a:gs pos="100000">
-                      <a:srgbClr val="339966"/>
-                    </a:gs>
-                  </a:gsLst>
-                  <a:lin ang="5400000" scaled="0"/>
-                </a:gradFill>
-                <a:latin typeface="Arial" pitchFamily="34" charset="0"/>
-                <a:cs typeface="Arial" pitchFamily="34" charset="0"/>
-              </a:rPr>
-              <a:t>3-1</a:t>
-            </a:r>
-            <a:r>
-              <a:rPr lang="en-US" altLang="ko-KR" sz="2400" b="1" dirty="0" smtClean="0">
-                <a:gradFill>
-                  <a:gsLst>
-                    <a:gs pos="0">
-                      <a:srgbClr val="339966"/>
-                    </a:gs>
-                    <a:gs pos="100000">
-                      <a:srgbClr val="339966"/>
-                    </a:gs>
-                  </a:gsLst>
-                  <a:lin ang="5400000" scaled="0"/>
-                </a:gradFill>
-                <a:latin typeface="Arial" pitchFamily="34" charset="0"/>
-                <a:cs typeface="Arial" pitchFamily="34" charset="0"/>
-              </a:rPr>
-              <a:t>. </a:t>
+              <a:t>3-3-1. </a:t>
             </a:r>
             <a:r>
               <a:rPr lang="ko-KR" altLang="en-US" sz="2400" b="1" dirty="0" smtClean="0">
@@ -22201,43 +22077,7 @@
                 <a:latin typeface="Arial" pitchFamily="34" charset="0"/>
                 <a:cs typeface="Arial" pitchFamily="34" charset="0"/>
               </a:rPr>
-              <a:t>3-</a:t>
-            </a:r>
-            <a:r>
-              <a:rPr lang="en-US" altLang="ko-KR" sz="2400" b="1" dirty="0" smtClean="0">
-                <a:gradFill>
-                  <a:gsLst>
-                    <a:gs pos="0">
-                      <a:srgbClr val="339966"/>
-                    </a:gs>
-                    <a:gs pos="100000">
-                      <a:srgbClr val="339966"/>
-                    </a:gs>
-                  </a:gsLst>
-                  <a:lin ang="5400000" scaled="0"/>
-                </a:gradFill>
-                <a:latin typeface="Arial" pitchFamily="34" charset="0"/>
-                <a:cs typeface="Arial" pitchFamily="34" charset="0"/>
-              </a:rPr>
-              <a:t>3-1</a:t>
-            </a:r>
-            <a:r>
-              <a:rPr lang="en-US" altLang="ko-KR" sz="2400" b="1" dirty="0" smtClean="0">
-                <a:gradFill>
-                  <a:gsLst>
-                    <a:gs pos="0">
-                      <a:srgbClr val="339966"/>
-                    </a:gs>
-                    <a:gs pos="100000">
-                      <a:srgbClr val="339966"/>
-                    </a:gs>
-                  </a:gsLst>
-                  <a:lin ang="5400000" scaled="0"/>
-                </a:gradFill>
-                <a:latin typeface="Arial" pitchFamily="34" charset="0"/>
-                <a:cs typeface="Arial" pitchFamily="34" charset="0"/>
-              </a:rPr>
-              <a:t>. </a:t>
+              <a:t>3-3-1. </a:t>
             </a:r>
             <a:r>
               <a:rPr lang="ko-KR" altLang="en-US" sz="2400" b="1" dirty="0" smtClean="0">
@@ -22321,28 +22161,28 @@
                 <a:gridCol w="1219200">
                   <a:extLst>
                     <a:ext uri="{9D8B030D-6E8A-4147-A177-3AD203B41FA5}">
-                      <a16:colId xmlns:a16="http://schemas.microsoft.com/office/drawing/2014/main" xmlns="" val="1268542017"/>
+                      <a16:colId xmlns:a16="http://schemas.microsoft.com/office/drawing/2014/main" val="1268542017"/>
                     </a:ext>
                   </a:extLst>
                 </a:gridCol>
                 <a:gridCol w="1219200">
                   <a:extLst>
                     <a:ext uri="{9D8B030D-6E8A-4147-A177-3AD203B41FA5}">
-                      <a16:colId xmlns:a16="http://schemas.microsoft.com/office/drawing/2014/main" xmlns="" val="914950074"/>
+                      <a16:colId xmlns:a16="http://schemas.microsoft.com/office/drawing/2014/main" val="914950074"/>
                     </a:ext>
                   </a:extLst>
                 </a:gridCol>
                 <a:gridCol w="1219200">
                   <a:extLst>
                     <a:ext uri="{9D8B030D-6E8A-4147-A177-3AD203B41FA5}">
-                      <a16:colId xmlns:a16="http://schemas.microsoft.com/office/drawing/2014/main" xmlns="" val="870340619"/>
+                      <a16:colId xmlns:a16="http://schemas.microsoft.com/office/drawing/2014/main" val="870340619"/>
                     </a:ext>
                   </a:extLst>
                 </a:gridCol>
                 <a:gridCol w="1219200">
                   <a:extLst>
                     <a:ext uri="{9D8B030D-6E8A-4147-A177-3AD203B41FA5}">
-                      <a16:colId xmlns:a16="http://schemas.microsoft.com/office/drawing/2014/main" xmlns="" val="649103933"/>
+                      <a16:colId xmlns:a16="http://schemas.microsoft.com/office/drawing/2014/main" val="649103933"/>
                     </a:ext>
                   </a:extLst>
                 </a:gridCol>
@@ -22553,7 +22393,7 @@
                 </a:tc>
                 <a:extLst>
                   <a:ext uri="{0D108BD9-81ED-4DB2-BD59-A6C34878D82A}">
-                    <a16:rowId xmlns:a16="http://schemas.microsoft.com/office/drawing/2014/main" xmlns="" val="3037413522"/>
+                    <a16:rowId xmlns:a16="http://schemas.microsoft.com/office/drawing/2014/main" val="3037413522"/>
                   </a:ext>
                 </a:extLst>
               </a:tr>
@@ -22813,7 +22653,7 @@
                 </a:tc>
                 <a:extLst>
                   <a:ext uri="{0D108BD9-81ED-4DB2-BD59-A6C34878D82A}">
-                    <a16:rowId xmlns:a16="http://schemas.microsoft.com/office/drawing/2014/main" xmlns="" val="281561251"/>
+                    <a16:rowId xmlns:a16="http://schemas.microsoft.com/office/drawing/2014/main" val="281561251"/>
                   </a:ext>
                 </a:extLst>
               </a:tr>
@@ -23073,7 +22913,7 @@
                 </a:tc>
                 <a:extLst>
                   <a:ext uri="{0D108BD9-81ED-4DB2-BD59-A6C34878D82A}">
-                    <a16:rowId xmlns:a16="http://schemas.microsoft.com/office/drawing/2014/main" xmlns="" val="2807510944"/>
+                    <a16:rowId xmlns:a16="http://schemas.microsoft.com/office/drawing/2014/main" val="2807510944"/>
                   </a:ext>
                 </a:extLst>
               </a:tr>
@@ -23219,7 +23059,7 @@
                         <m:endChr m:val="]"/>
                         <m:ctrlPr>
                           <a:rPr lang="en-US" sz="2000" b="0" i="1" smtClean="0">
-                            <a:latin typeface="Cambria Math"/>
+                            <a:latin typeface="Cambria Math" panose="02040503050406030204" pitchFamily="18" charset="0"/>
                           </a:rPr>
                         </m:ctrlPr>
                       </m:dPr>
@@ -23236,7 +23076,7 @@
                             </m:mcs>
                             <m:ctrlPr>
                               <a:rPr lang="en-US" sz="2000" b="0" i="1" smtClean="0">
-                                <a:latin typeface="Cambria Math"/>
+                                <a:latin typeface="Cambria Math" panose="02040503050406030204" pitchFamily="18" charset="0"/>
                               </a:rPr>
                             </m:ctrlPr>
                           </m:mPr>
@@ -23254,7 +23094,7 @@
                                   </m:mcs>
                                   <m:ctrlPr>
                                     <a:rPr lang="en-US" sz="2000" b="0" i="1" smtClean="0">
-                                      <a:latin typeface="Cambria Math"/>
+                                      <a:latin typeface="Cambria Math" panose="02040503050406030204" pitchFamily="18" charset="0"/>
                                     </a:rPr>
                                   </m:ctrlPr>
                                 </m:mPr>
@@ -23304,7 +23144,7 @@
                                   </m:mcs>
                                   <m:ctrlPr>
                                     <a:rPr lang="en-US" sz="2000" b="0" i="1" smtClean="0">
-                                      <a:latin typeface="Cambria Math"/>
+                                      <a:latin typeface="Cambria Math" panose="02040503050406030204" pitchFamily="18" charset="0"/>
                                     </a:rPr>
                                   </m:ctrlPr>
                                 </m:mPr>
@@ -23365,7 +23205,7 @@
                       <m:sSupPr>
                         <m:ctrlPr>
                           <a:rPr lang="en-US" sz="2000" b="0" i="1" smtClean="0">
-                            <a:latin typeface="Cambria Math"/>
+                            <a:latin typeface="Cambria Math" panose="02040503050406030204" pitchFamily="18" charset="0"/>
                           </a:rPr>
                         </m:ctrlPr>
                       </m:sSupPr>
@@ -23398,7 +23238,7 @@
                         <m:endChr m:val="]"/>
                         <m:ctrlPr>
                           <a:rPr lang="en-US" sz="2000" b="0" i="1" smtClean="0">
-                            <a:latin typeface="Cambria Math"/>
+                            <a:latin typeface="Cambria Math" panose="02040503050406030204" pitchFamily="18" charset="0"/>
                           </a:rPr>
                         </m:ctrlPr>
                       </m:dPr>
@@ -23415,7 +23255,7 @@
                             </m:mcs>
                             <m:ctrlPr>
                               <a:rPr lang="en-US" sz="2000" b="0" i="1" smtClean="0">
-                                <a:latin typeface="Cambria Math"/>
+                                <a:latin typeface="Cambria Math" panose="02040503050406030204" pitchFamily="18" charset="0"/>
                               </a:rPr>
                             </m:ctrlPr>
                           </m:mPr>
@@ -23433,7 +23273,7 @@
                                   </m:mcs>
                                   <m:ctrlPr>
                                     <a:rPr lang="en-US" sz="2000" b="0" i="1" smtClean="0">
-                                      <a:latin typeface="Cambria Math"/>
+                                      <a:latin typeface="Cambria Math" panose="02040503050406030204" pitchFamily="18" charset="0"/>
                                     </a:rPr>
                                   </m:ctrlPr>
                                 </m:mPr>
@@ -23475,7 +23315,7 @@
                                   </m:mcs>
                                   <m:ctrlPr>
                                     <a:rPr lang="en-US" sz="2000" b="0" i="1" smtClean="0">
-                                      <a:latin typeface="Cambria Math"/>
+                                      <a:latin typeface="Cambria Math" panose="02040503050406030204" pitchFamily="18" charset="0"/>
                                     </a:rPr>
                                   </m:ctrlPr>
                                 </m:mPr>
@@ -24107,7 +23947,7 @@
                         <m:sSupPr>
                           <m:ctrlPr>
                             <a:rPr lang="en-US" sz="2000" i="1" smtClean="0">
-                              <a:latin typeface="Cambria Math"/>
+                              <a:latin typeface="Cambria Math" panose="02040503050406030204" pitchFamily="18" charset="0"/>
                             </a:rPr>
                           </m:ctrlPr>
                         </m:sSupPr>
@@ -24146,7 +23986,7 @@
                           <m:endChr m:val="]"/>
                           <m:ctrlPr>
                             <a:rPr lang="en-US" sz="2000" i="1">
-                              <a:latin typeface="Cambria Math"/>
+                              <a:latin typeface="Cambria Math" panose="02040503050406030204" pitchFamily="18" charset="0"/>
                             </a:rPr>
                           </m:ctrlPr>
                         </m:dPr>
@@ -24163,7 +24003,7 @@
                               </m:mcs>
                               <m:ctrlPr>
                                 <a:rPr lang="en-US" sz="2000" i="1">
-                                  <a:latin typeface="Cambria Math"/>
+                                  <a:latin typeface="Cambria Math" panose="02040503050406030204" pitchFamily="18" charset="0"/>
                                 </a:rPr>
                               </m:ctrlPr>
                             </m:mPr>
@@ -24181,7 +24021,7 @@
                                     </m:mcs>
                                     <m:ctrlPr>
                                       <a:rPr lang="en-US" sz="2000" i="1">
-                                        <a:latin typeface="Cambria Math"/>
+                                        <a:latin typeface="Cambria Math" panose="02040503050406030204" pitchFamily="18" charset="0"/>
                                       </a:rPr>
                                     </m:ctrlPr>
                                   </m:mPr>
@@ -24223,7 +24063,7 @@
                                     </m:mcs>
                                     <m:ctrlPr>
                                       <a:rPr lang="en-US" sz="2000" i="1">
-                                        <a:latin typeface="Cambria Math"/>
+                                        <a:latin typeface="Cambria Math" panose="02040503050406030204" pitchFamily="18" charset="0"/>
                                       </a:rPr>
                                     </m:ctrlPr>
                                   </m:mPr>
@@ -24280,7 +24120,7 @@
                           <m:endChr m:val="]"/>
                           <m:ctrlPr>
                             <a:rPr lang="en-US" sz="2000" b="0" i="1" smtClean="0">
-                              <a:latin typeface="Cambria Math"/>
+                              <a:latin typeface="Cambria Math" panose="02040503050406030204" pitchFamily="18" charset="0"/>
                             </a:rPr>
                           </m:ctrlPr>
                         </m:dPr>
@@ -24297,7 +24137,7 @@
                               </m:mcs>
                               <m:ctrlPr>
                                 <a:rPr lang="en-US" sz="2000" b="0" i="1" smtClean="0">
-                                  <a:latin typeface="Cambria Math"/>
+                                  <a:latin typeface="Cambria Math" panose="02040503050406030204" pitchFamily="18" charset="0"/>
                                 </a:rPr>
                               </m:ctrlPr>
                             </m:mPr>
@@ -24315,7 +24155,7 @@
                                     </m:mcs>
                                     <m:ctrlPr>
                                       <a:rPr lang="en-US" sz="2000" b="0" i="1" smtClean="0">
-                                        <a:latin typeface="Cambria Math"/>
+                                        <a:latin typeface="Cambria Math" panose="02040503050406030204" pitchFamily="18" charset="0"/>
                                       </a:rPr>
                                     </m:ctrlPr>
                                   </m:mPr>
@@ -24365,7 +24205,7 @@
                                     </m:mcs>
                                     <m:ctrlPr>
                                       <a:rPr lang="en-US" sz="2000" b="0" i="1" smtClean="0">
-                                        <a:latin typeface="Cambria Math"/>
+                                        <a:latin typeface="Cambria Math" panose="02040503050406030204" pitchFamily="18" charset="0"/>
                                       </a:rPr>
                                     </m:ctrlPr>
                                   </m:mPr>
@@ -24416,7 +24256,7 @@
                           <m:endChr m:val="]"/>
                           <m:ctrlPr>
                             <a:rPr lang="en-US" sz="2000" b="0" i="1" smtClean="0">
-                              <a:latin typeface="Cambria Math"/>
+                              <a:latin typeface="Cambria Math" panose="02040503050406030204" pitchFamily="18" charset="0"/>
                             </a:rPr>
                           </m:ctrlPr>
                         </m:dPr>
@@ -24433,7 +24273,7 @@
                               </m:mcs>
                               <m:ctrlPr>
                                 <a:rPr lang="en-US" sz="2000" b="0" i="1" smtClean="0">
-                                  <a:latin typeface="Cambria Math"/>
+                                  <a:latin typeface="Cambria Math" panose="02040503050406030204" pitchFamily="18" charset="0"/>
                                 </a:rPr>
                               </m:ctrlPr>
                             </m:mPr>
@@ -24462,7 +24302,7 @@
                                     </m:mcs>
                                     <m:ctrlPr>
                                       <a:rPr lang="en-US" sz="2000" b="0" i="1" smtClean="0">
-                                        <a:latin typeface="Cambria Math"/>
+                                        <a:latin typeface="Cambria Math" panose="02040503050406030204" pitchFamily="18" charset="0"/>
                                       </a:rPr>
                                     </m:ctrlPr>
                                   </m:mPr>
@@ -24504,7 +24344,7 @@
                                     </m:mcs>
                                     <m:ctrlPr>
                                       <a:rPr lang="en-US" sz="2000" b="0" i="1" smtClean="0">
-                                        <a:latin typeface="Cambria Math"/>
+                                        <a:latin typeface="Cambria Math" panose="02040503050406030204" pitchFamily="18" charset="0"/>
                                       </a:rPr>
                                     </m:ctrlPr>
                                   </m:mPr>
@@ -24546,7 +24386,7 @@
                                     </m:mcs>
                                     <m:ctrlPr>
                                       <a:rPr lang="en-US" sz="2000" b="0" i="1" smtClean="0">
-                                        <a:latin typeface="Cambria Math"/>
+                                        <a:latin typeface="Cambria Math" panose="02040503050406030204" pitchFamily="18" charset="0"/>
                                       </a:rPr>
                                     </m:ctrlPr>
                                   </m:mPr>
@@ -24564,7 +24404,7 @@
                                           </m:mcs>
                                           <m:ctrlPr>
                                             <a:rPr lang="en-US" sz="2000" b="0" i="1" smtClean="0">
-                                              <a:latin typeface="Cambria Math"/>
+                                              <a:latin typeface="Cambria Math" panose="02040503050406030204" pitchFamily="18" charset="0"/>
                                             </a:rPr>
                                           </m:ctrlPr>
                                         </m:mPr>
@@ -24606,7 +24446,7 @@
                                           </m:mcs>
                                           <m:ctrlPr>
                                             <a:rPr lang="en-US" sz="2000" b="0" i="1" smtClean="0">
-                                              <a:latin typeface="Cambria Math"/>
+                                              <a:latin typeface="Cambria Math" panose="02040503050406030204" pitchFamily="18" charset="0"/>
                                             </a:rPr>
                                           </m:ctrlPr>
                                         </m:mPr>
@@ -24761,28 +24601,28 @@
                 <a:gridCol w="1524000">
                   <a:extLst>
                     <a:ext uri="{9D8B030D-6E8A-4147-A177-3AD203B41FA5}">
-                      <a16:colId xmlns:a16="http://schemas.microsoft.com/office/drawing/2014/main" xmlns="" val="1624946055"/>
+                      <a16:colId xmlns:a16="http://schemas.microsoft.com/office/drawing/2014/main" val="1624946055"/>
                     </a:ext>
                   </a:extLst>
                 </a:gridCol>
                 <a:gridCol w="1524000">
                   <a:extLst>
                     <a:ext uri="{9D8B030D-6E8A-4147-A177-3AD203B41FA5}">
-                      <a16:colId xmlns:a16="http://schemas.microsoft.com/office/drawing/2014/main" xmlns="" val="3765156152"/>
+                      <a16:colId xmlns:a16="http://schemas.microsoft.com/office/drawing/2014/main" val="3765156152"/>
                     </a:ext>
                   </a:extLst>
                 </a:gridCol>
                 <a:gridCol w="1524000">
                   <a:extLst>
                     <a:ext uri="{9D8B030D-6E8A-4147-A177-3AD203B41FA5}">
-                      <a16:colId xmlns:a16="http://schemas.microsoft.com/office/drawing/2014/main" xmlns="" val="2392454353"/>
+                      <a16:colId xmlns:a16="http://schemas.microsoft.com/office/drawing/2014/main" val="2392454353"/>
                     </a:ext>
                   </a:extLst>
                 </a:gridCol>
                 <a:gridCol w="1524000">
                   <a:extLst>
                     <a:ext uri="{9D8B030D-6E8A-4147-A177-3AD203B41FA5}">
-                      <a16:colId xmlns:a16="http://schemas.microsoft.com/office/drawing/2014/main" xmlns="" val="3131627678"/>
+                      <a16:colId xmlns:a16="http://schemas.microsoft.com/office/drawing/2014/main" val="3131627678"/>
                     </a:ext>
                   </a:extLst>
                 </a:gridCol>
@@ -24993,7 +24833,7 @@
                 </a:tc>
                 <a:extLst>
                   <a:ext uri="{0D108BD9-81ED-4DB2-BD59-A6C34878D82A}">
-                    <a16:rowId xmlns:a16="http://schemas.microsoft.com/office/drawing/2014/main" xmlns="" val="3898711690"/>
+                    <a16:rowId xmlns:a16="http://schemas.microsoft.com/office/drawing/2014/main" val="3898711690"/>
                   </a:ext>
                 </a:extLst>
               </a:tr>
@@ -25228,7 +25068,7 @@
                 </a:tc>
                 <a:extLst>
                   <a:ext uri="{0D108BD9-81ED-4DB2-BD59-A6C34878D82A}">
-                    <a16:rowId xmlns:a16="http://schemas.microsoft.com/office/drawing/2014/main" xmlns="" val="2429119507"/>
+                    <a16:rowId xmlns:a16="http://schemas.microsoft.com/office/drawing/2014/main" val="2429119507"/>
                   </a:ext>
                 </a:extLst>
               </a:tr>
@@ -25463,7 +25303,7 @@
                 </a:tc>
                 <a:extLst>
                   <a:ext uri="{0D108BD9-81ED-4DB2-BD59-A6C34878D82A}">
-                    <a16:rowId xmlns:a16="http://schemas.microsoft.com/office/drawing/2014/main" xmlns="" val="542854506"/>
+                    <a16:rowId xmlns:a16="http://schemas.microsoft.com/office/drawing/2014/main" val="542854506"/>
                   </a:ext>
                 </a:extLst>
               </a:tr>
@@ -25698,7 +25538,7 @@
                 </a:tc>
                 <a:extLst>
                   <a:ext uri="{0D108BD9-81ED-4DB2-BD59-A6C34878D82A}">
-                    <a16:rowId xmlns:a16="http://schemas.microsoft.com/office/drawing/2014/main" xmlns="" val="2231678954"/>
+                    <a16:rowId xmlns:a16="http://schemas.microsoft.com/office/drawing/2014/main" val="2231678954"/>
                   </a:ext>
                 </a:extLst>
               </a:tr>
@@ -29919,28 +29759,28 @@
                 <a:gridCol w="1728192">
                   <a:extLst>
                     <a:ext uri="{9D8B030D-6E8A-4147-A177-3AD203B41FA5}">
-                      <a16:colId xmlns:a16="http://schemas.microsoft.com/office/drawing/2014/main" xmlns="" val="20000"/>
+                      <a16:colId xmlns:a16="http://schemas.microsoft.com/office/drawing/2014/main" val="20000"/>
                     </a:ext>
                   </a:extLst>
                 </a:gridCol>
                 <a:gridCol w="1728192">
                   <a:extLst>
                     <a:ext uri="{9D8B030D-6E8A-4147-A177-3AD203B41FA5}">
-                      <a16:colId xmlns:a16="http://schemas.microsoft.com/office/drawing/2014/main" xmlns="" val="20001"/>
+                      <a16:colId xmlns:a16="http://schemas.microsoft.com/office/drawing/2014/main" val="20001"/>
                     </a:ext>
                   </a:extLst>
                 </a:gridCol>
                 <a:gridCol w="1728192">
                   <a:extLst>
                     <a:ext uri="{9D8B030D-6E8A-4147-A177-3AD203B41FA5}">
-                      <a16:colId xmlns:a16="http://schemas.microsoft.com/office/drawing/2014/main" xmlns="" val="20002"/>
+                      <a16:colId xmlns:a16="http://schemas.microsoft.com/office/drawing/2014/main" val="20002"/>
                     </a:ext>
                   </a:extLst>
                 </a:gridCol>
                 <a:gridCol w="1728192">
                   <a:extLst>
                     <a:ext uri="{9D8B030D-6E8A-4147-A177-3AD203B41FA5}">
-                      <a16:colId xmlns:a16="http://schemas.microsoft.com/office/drawing/2014/main" xmlns="" val="20003"/>
+                      <a16:colId xmlns:a16="http://schemas.microsoft.com/office/drawing/2014/main" val="20003"/>
                     </a:ext>
                   </a:extLst>
                 </a:gridCol>
@@ -30176,7 +30016,7 @@
                 </a:tc>
                 <a:extLst>
                   <a:ext uri="{0D108BD9-81ED-4DB2-BD59-A6C34878D82A}">
-                    <a16:rowId xmlns:a16="http://schemas.microsoft.com/office/drawing/2014/main" xmlns="" val="10000"/>
+                    <a16:rowId xmlns:a16="http://schemas.microsoft.com/office/drawing/2014/main" val="10000"/>
                   </a:ext>
                 </a:extLst>
               </a:tr>
@@ -30411,7 +30251,7 @@
                 </a:tc>
                 <a:extLst>
                   <a:ext uri="{0D108BD9-81ED-4DB2-BD59-A6C34878D82A}">
-                    <a16:rowId xmlns:a16="http://schemas.microsoft.com/office/drawing/2014/main" xmlns="" val="10001"/>
+                    <a16:rowId xmlns:a16="http://schemas.microsoft.com/office/drawing/2014/main" val="10001"/>
                   </a:ext>
                 </a:extLst>
               </a:tr>
@@ -30646,7 +30486,7 @@
                 </a:tc>
                 <a:extLst>
                   <a:ext uri="{0D108BD9-81ED-4DB2-BD59-A6C34878D82A}">
-                    <a16:rowId xmlns:a16="http://schemas.microsoft.com/office/drawing/2014/main" xmlns="" val="10002"/>
+                    <a16:rowId xmlns:a16="http://schemas.microsoft.com/office/drawing/2014/main" val="10002"/>
                   </a:ext>
                 </a:extLst>
               </a:tr>
@@ -30881,7 +30721,7 @@
                 </a:tc>
                 <a:extLst>
                   <a:ext uri="{0D108BD9-81ED-4DB2-BD59-A6C34878D82A}">
-                    <a16:rowId xmlns:a16="http://schemas.microsoft.com/office/drawing/2014/main" xmlns="" val="10003"/>
+                    <a16:rowId xmlns:a16="http://schemas.microsoft.com/office/drawing/2014/main" val="10003"/>
                   </a:ext>
                 </a:extLst>
               </a:tr>
@@ -31116,7 +30956,7 @@
                 </a:tc>
                 <a:extLst>
                   <a:ext uri="{0D108BD9-81ED-4DB2-BD59-A6C34878D82A}">
-                    <a16:rowId xmlns:a16="http://schemas.microsoft.com/office/drawing/2014/main" xmlns="" val="10004"/>
+                    <a16:rowId xmlns:a16="http://schemas.microsoft.com/office/drawing/2014/main" val="10004"/>
                   </a:ext>
                 </a:extLst>
               </a:tr>
@@ -31351,7 +31191,7 @@
                 </a:tc>
                 <a:extLst>
                   <a:ext uri="{0D108BD9-81ED-4DB2-BD59-A6C34878D82A}">
-                    <a16:rowId xmlns:a16="http://schemas.microsoft.com/office/drawing/2014/main" xmlns="" val="10005"/>
+                    <a16:rowId xmlns:a16="http://schemas.microsoft.com/office/drawing/2014/main" val="10005"/>
                   </a:ext>
                 </a:extLst>
               </a:tr>
@@ -35221,28 +35061,28 @@
                 <a:gridCol w="1728192">
                   <a:extLst>
                     <a:ext uri="{9D8B030D-6E8A-4147-A177-3AD203B41FA5}">
-                      <a16:colId xmlns:a16="http://schemas.microsoft.com/office/drawing/2014/main" xmlns="" val="20000"/>
+                      <a16:colId xmlns:a16="http://schemas.microsoft.com/office/drawing/2014/main" val="20000"/>
                     </a:ext>
                   </a:extLst>
                 </a:gridCol>
                 <a:gridCol w="1728192">
                   <a:extLst>
                     <a:ext uri="{9D8B030D-6E8A-4147-A177-3AD203B41FA5}">
-                      <a16:colId xmlns:a16="http://schemas.microsoft.com/office/drawing/2014/main" xmlns="" val="20001"/>
+                      <a16:colId xmlns:a16="http://schemas.microsoft.com/office/drawing/2014/main" val="20001"/>
                     </a:ext>
                   </a:extLst>
                 </a:gridCol>
                 <a:gridCol w="1728192">
                   <a:extLst>
                     <a:ext uri="{9D8B030D-6E8A-4147-A177-3AD203B41FA5}">
-                      <a16:colId xmlns:a16="http://schemas.microsoft.com/office/drawing/2014/main" xmlns="" val="20002"/>
+                      <a16:colId xmlns:a16="http://schemas.microsoft.com/office/drawing/2014/main" val="20002"/>
                     </a:ext>
                   </a:extLst>
                 </a:gridCol>
                 <a:gridCol w="1728192">
                   <a:extLst>
                     <a:ext uri="{9D8B030D-6E8A-4147-A177-3AD203B41FA5}">
-                      <a16:colId xmlns:a16="http://schemas.microsoft.com/office/drawing/2014/main" xmlns="" val="20003"/>
+                      <a16:colId xmlns:a16="http://schemas.microsoft.com/office/drawing/2014/main" val="20003"/>
                     </a:ext>
                   </a:extLst>
                 </a:gridCol>
@@ -35478,7 +35318,7 @@
                 </a:tc>
                 <a:extLst>
                   <a:ext uri="{0D108BD9-81ED-4DB2-BD59-A6C34878D82A}">
-                    <a16:rowId xmlns:a16="http://schemas.microsoft.com/office/drawing/2014/main" xmlns="" val="10000"/>
+                    <a16:rowId xmlns:a16="http://schemas.microsoft.com/office/drawing/2014/main" val="10000"/>
                   </a:ext>
                 </a:extLst>
               </a:tr>
@@ -35713,7 +35553,7 @@
                 </a:tc>
                 <a:extLst>
                   <a:ext uri="{0D108BD9-81ED-4DB2-BD59-A6C34878D82A}">
-                    <a16:rowId xmlns:a16="http://schemas.microsoft.com/office/drawing/2014/main" xmlns="" val="10001"/>
+                    <a16:rowId xmlns:a16="http://schemas.microsoft.com/office/drawing/2014/main" val="10001"/>
                   </a:ext>
                 </a:extLst>
               </a:tr>
@@ -35948,7 +35788,7 @@
                 </a:tc>
                 <a:extLst>
                   <a:ext uri="{0D108BD9-81ED-4DB2-BD59-A6C34878D82A}">
-                    <a16:rowId xmlns:a16="http://schemas.microsoft.com/office/drawing/2014/main" xmlns="" val="10002"/>
+                    <a16:rowId xmlns:a16="http://schemas.microsoft.com/office/drawing/2014/main" val="10002"/>
                   </a:ext>
                 </a:extLst>
               </a:tr>
@@ -36183,7 +36023,7 @@
                 </a:tc>
                 <a:extLst>
                   <a:ext uri="{0D108BD9-81ED-4DB2-BD59-A6C34878D82A}">
-                    <a16:rowId xmlns:a16="http://schemas.microsoft.com/office/drawing/2014/main" xmlns="" val="10003"/>
+                    <a16:rowId xmlns:a16="http://schemas.microsoft.com/office/drawing/2014/main" val="10003"/>
                   </a:ext>
                 </a:extLst>
               </a:tr>
@@ -36418,7 +36258,7 @@
                 </a:tc>
                 <a:extLst>
                   <a:ext uri="{0D108BD9-81ED-4DB2-BD59-A6C34878D82A}">
-                    <a16:rowId xmlns:a16="http://schemas.microsoft.com/office/drawing/2014/main" xmlns="" val="10004"/>
+                    <a16:rowId xmlns:a16="http://schemas.microsoft.com/office/drawing/2014/main" val="10004"/>
                   </a:ext>
                 </a:extLst>
               </a:tr>
@@ -36653,7 +36493,7 @@
                 </a:tc>
                 <a:extLst>
                   <a:ext uri="{0D108BD9-81ED-4DB2-BD59-A6C34878D82A}">
-                    <a16:rowId xmlns:a16="http://schemas.microsoft.com/office/drawing/2014/main" xmlns="" val="10005"/>
+                    <a16:rowId xmlns:a16="http://schemas.microsoft.com/office/drawing/2014/main" val="10005"/>
                   </a:ext>
                 </a:extLst>
               </a:tr>
